--- a/Humanistens digitale værktøjskasse.pptx
+++ b/Humanistens digitale værktøjskasse.pptx
@@ -892,8 +892,24 @@
         <a:lstStyle/>
         <a:p>
           <a:r>
-            <a:rPr lang="da-DK"/>
-            <a:t>Introduktion til python og miniconda </a:t>
+            <a:rPr lang="da-DK" dirty="0"/>
+            <a:t>Introduktion til </a:t>
+          </a:r>
+          <a:r>
+            <a:rPr lang="da-DK" dirty="0" err="1"/>
+            <a:t>python</a:t>
+          </a:r>
+          <a:r>
+            <a:rPr lang="da-DK" dirty="0"/>
+            <a:t> og </a:t>
+          </a:r>
+          <a:r>
+            <a:rPr lang="da-DK" dirty="0" err="1"/>
+            <a:t>miniconda</a:t>
+          </a:r>
+          <a:r>
+            <a:rPr lang="da-DK" dirty="0"/>
+            <a:t> </a:t>
           </a:r>
         </a:p>
       </dgm:t>
@@ -1100,6 +1116,42 @@
         </a:p>
       </dgm:t>
     </dgm:pt>
+    <dgm:pt modelId="{19E6C98F-C3D1-C74D-BE6A-A8A6BC76BD77}">
+      <dgm:prSet/>
+      <dgm:spPr/>
+      <dgm:t>
+        <a:bodyPr/>
+        <a:lstStyle/>
+        <a:p>
+          <a:r>
+            <a:rPr lang="da-DK" dirty="0"/>
+            <a:t>Download af programmer</a:t>
+          </a:r>
+        </a:p>
+      </dgm:t>
+    </dgm:pt>
+    <dgm:pt modelId="{FBDFE029-028A-A441-AB05-ABA819B7CB61}" type="parTrans" cxnId="{A4A719A6-4812-A548-93AA-BF7513D465BC}">
+      <dgm:prSet/>
+      <dgm:spPr/>
+      <dgm:t>
+        <a:bodyPr/>
+        <a:lstStyle/>
+        <a:p>
+          <a:endParaRPr lang="da-DK"/>
+        </a:p>
+      </dgm:t>
+    </dgm:pt>
+    <dgm:pt modelId="{FAB715C0-6122-EF48-AE15-7B8CB5398EC2}" type="sibTrans" cxnId="{A4A719A6-4812-A548-93AA-BF7513D465BC}">
+      <dgm:prSet/>
+      <dgm:spPr/>
+      <dgm:t>
+        <a:bodyPr/>
+        <a:lstStyle/>
+        <a:p>
+          <a:endParaRPr lang="da-DK"/>
+        </a:p>
+      </dgm:t>
+    </dgm:pt>
     <dgm:pt modelId="{B5036735-D837-1D44-90FD-86FF249A13E0}" type="pres">
       <dgm:prSet presAssocID="{888D3382-88B9-47DD-B900-C012F663689A}" presName="linear" presStyleCnt="0">
         <dgm:presLayoutVars>
@@ -1110,7 +1162,7 @@
       <dgm:spPr/>
     </dgm:pt>
     <dgm:pt modelId="{6667243A-7FF6-304F-BF2E-1326CCAB9A4B}" type="pres">
-      <dgm:prSet presAssocID="{C2680F88-4376-46C3-9F64-CBF6294234EF}" presName="parentText" presStyleLbl="node1" presStyleIdx="0" presStyleCnt="3">
+      <dgm:prSet presAssocID="{C2680F88-4376-46C3-9F64-CBF6294234EF}" presName="parentText" presStyleLbl="node1" presStyleIdx="0" presStyleCnt="4">
         <dgm:presLayoutVars>
           <dgm:chMax val="0"/>
           <dgm:bulletEnabled val="1"/>
@@ -1122,8 +1174,21 @@
       <dgm:prSet presAssocID="{31B2D71C-5B94-4C0C-B666-2E1ED4C06C8F}" presName="spacer" presStyleCnt="0"/>
       <dgm:spPr/>
     </dgm:pt>
+    <dgm:pt modelId="{C980AB20-9D45-8D47-9DB8-0EE943F3FDAE}" type="pres">
+      <dgm:prSet presAssocID="{19E6C98F-C3D1-C74D-BE6A-A8A6BC76BD77}" presName="parentText" presStyleLbl="node1" presStyleIdx="1" presStyleCnt="4">
+        <dgm:presLayoutVars>
+          <dgm:chMax val="0"/>
+          <dgm:bulletEnabled val="1"/>
+        </dgm:presLayoutVars>
+      </dgm:prSet>
+      <dgm:spPr/>
+    </dgm:pt>
+    <dgm:pt modelId="{9B19DC87-A555-154D-A81C-98D4B8AEC336}" type="pres">
+      <dgm:prSet presAssocID="{FAB715C0-6122-EF48-AE15-7B8CB5398EC2}" presName="spacer" presStyleCnt="0"/>
+      <dgm:spPr/>
+    </dgm:pt>
     <dgm:pt modelId="{6A67C5C5-7229-1142-BFB8-871ED8001C88}" type="pres">
-      <dgm:prSet presAssocID="{ECF47B54-52EE-4718-AF7C-7E59DC7D2B68}" presName="parentText" presStyleLbl="node1" presStyleIdx="1" presStyleCnt="3">
+      <dgm:prSet presAssocID="{ECF47B54-52EE-4718-AF7C-7E59DC7D2B68}" presName="parentText" presStyleLbl="node1" presStyleIdx="2" presStyleCnt="4">
         <dgm:presLayoutVars>
           <dgm:chMax val="0"/>
           <dgm:bulletEnabled val="1"/>
@@ -1136,7 +1201,7 @@
       <dgm:spPr/>
     </dgm:pt>
     <dgm:pt modelId="{D0342D6E-BE27-5941-A604-D4CEA90CCB7E}" type="pres">
-      <dgm:prSet presAssocID="{3B7217AA-96CA-47FD-A809-65674A35D5BF}" presName="parentText" presStyleLbl="node1" presStyleIdx="2" presStyleCnt="3">
+      <dgm:prSet presAssocID="{3B7217AA-96CA-47FD-A809-65674A35D5BF}" presName="parentText" presStyleLbl="node1" presStyleIdx="3" presStyleCnt="4">
         <dgm:presLayoutVars>
           <dgm:chMax val="0"/>
           <dgm:bulletEnabled val="1"/>
@@ -1160,19 +1225,23 @@
     <dgm:cxn modelId="{E6EABE75-D2D5-4F8A-A959-771011DE7905}" srcId="{3B7217AA-96CA-47FD-A809-65674A35D5BF}" destId="{96C43AFF-1BFA-41BD-9D71-741074656C52}" srcOrd="2" destOrd="0" parTransId="{FF46690A-C973-433D-A6C5-5EBE434DA193}" sibTransId="{4F79CCE0-ACF2-4C6B-95FC-1EF863A15C32}"/>
     <dgm:cxn modelId="{31CD7A7D-BF3F-4239-ADAB-65B70FA63ACE}" srcId="{3B7217AA-96CA-47FD-A809-65674A35D5BF}" destId="{5F8F5CA8-921F-4771-9CCC-0C9E360DFB67}" srcOrd="0" destOrd="0" parTransId="{D871EC10-1BA0-4F78-BBE1-508433F6D116}" sibTransId="{DEA5EEDF-CF6F-4E39-A13A-F56435D2DA57}"/>
     <dgm:cxn modelId="{0437907E-C20E-444F-A8E7-5D760D3AF97F}" type="presOf" srcId="{C2680F88-4376-46C3-9F64-CBF6294234EF}" destId="{6667243A-7FF6-304F-BF2E-1326CCAB9A4B}" srcOrd="0" destOrd="0" presId="urn:microsoft.com/office/officeart/2005/8/layout/vList2"/>
-    <dgm:cxn modelId="{B570D587-9D8C-48F4-BA26-33BEE9AF4A96}" srcId="{888D3382-88B9-47DD-B900-C012F663689A}" destId="{3B7217AA-96CA-47FD-A809-65674A35D5BF}" srcOrd="2" destOrd="0" parTransId="{5EA41D1F-5067-4067-A0A3-F632E7BD20A8}" sibTransId="{369C3C2B-EA10-4808-8751-432D5661FD6A}"/>
-    <dgm:cxn modelId="{F874619D-D0C2-471D-B131-3BD5615CDBBD}" srcId="{888D3382-88B9-47DD-B900-C012F663689A}" destId="{ECF47B54-52EE-4718-AF7C-7E59DC7D2B68}" srcOrd="1" destOrd="0" parTransId="{7A965791-A34F-4E1B-9CF6-97022535834D}" sibTransId="{BE1BD128-3653-4BF9-9ED9-FCE82F8EE955}"/>
+    <dgm:cxn modelId="{B570D587-9D8C-48F4-BA26-33BEE9AF4A96}" srcId="{888D3382-88B9-47DD-B900-C012F663689A}" destId="{3B7217AA-96CA-47FD-A809-65674A35D5BF}" srcOrd="3" destOrd="0" parTransId="{5EA41D1F-5067-4067-A0A3-F632E7BD20A8}" sibTransId="{369C3C2B-EA10-4808-8751-432D5661FD6A}"/>
+    <dgm:cxn modelId="{F874619D-D0C2-471D-B131-3BD5615CDBBD}" srcId="{888D3382-88B9-47DD-B900-C012F663689A}" destId="{ECF47B54-52EE-4718-AF7C-7E59DC7D2B68}" srcOrd="2" destOrd="0" parTransId="{7A965791-A34F-4E1B-9CF6-97022535834D}" sibTransId="{BE1BD128-3653-4BF9-9ED9-FCE82F8EE955}"/>
     <dgm:cxn modelId="{EB738DA0-A7CB-8A4B-B99E-5A7E7E49D6AC}" type="presOf" srcId="{ECF47B54-52EE-4718-AF7C-7E59DC7D2B68}" destId="{6A67C5C5-7229-1142-BFB8-871ED8001C88}" srcOrd="0" destOrd="0" presId="urn:microsoft.com/office/officeart/2005/8/layout/vList2"/>
+    <dgm:cxn modelId="{A4A719A6-4812-A548-93AA-BF7513D465BC}" srcId="{888D3382-88B9-47DD-B900-C012F663689A}" destId="{19E6C98F-C3D1-C74D-BE6A-A8A6BC76BD77}" srcOrd="1" destOrd="0" parTransId="{FBDFE029-028A-A441-AB05-ABA819B7CB61}" sibTransId="{FAB715C0-6122-EF48-AE15-7B8CB5398EC2}"/>
     <dgm:cxn modelId="{DF8133A7-4CB0-4DBF-954B-70F8D6C4B9E7}" srcId="{3B7217AA-96CA-47FD-A809-65674A35D5BF}" destId="{541293AC-09A4-45AD-A521-C1A6958FE382}" srcOrd="1" destOrd="0" parTransId="{DA14AB52-855D-40D4-89AD-1BCE21E18588}" sibTransId="{6FB717B6-47B2-435D-8A08-CA635EF3E5EC}"/>
+    <dgm:cxn modelId="{FD28C7B9-B3E8-AC45-8673-C4332D336866}" type="presOf" srcId="{19E6C98F-C3D1-C74D-BE6A-A8A6BC76BD77}" destId="{C980AB20-9D45-8D47-9DB8-0EE943F3FDAE}" srcOrd="0" destOrd="0" presId="urn:microsoft.com/office/officeart/2005/8/layout/vList2"/>
     <dgm:cxn modelId="{739253BE-65CD-994F-B231-629026BDAB36}" type="presOf" srcId="{96C43AFF-1BFA-41BD-9D71-741074656C52}" destId="{77BB3B07-E70A-9446-BBB5-77067974530C}" srcOrd="0" destOrd="2" presId="urn:microsoft.com/office/officeart/2005/8/layout/vList2"/>
     <dgm:cxn modelId="{9991ACC2-77ED-A641-89FE-E55EFB77C968}" type="presOf" srcId="{3B7217AA-96CA-47FD-A809-65674A35D5BF}" destId="{D0342D6E-BE27-5941-A604-D4CEA90CCB7E}" srcOrd="0" destOrd="0" presId="urn:microsoft.com/office/officeart/2005/8/layout/vList2"/>
     <dgm:cxn modelId="{B40711EC-C0A8-4EE4-9C7C-0C66838088C8}" srcId="{888D3382-88B9-47DD-B900-C012F663689A}" destId="{C2680F88-4376-46C3-9F64-CBF6294234EF}" srcOrd="0" destOrd="0" parTransId="{56CEA736-6476-4338-8182-9110CB97ED71}" sibTransId="{31B2D71C-5B94-4C0C-B666-2E1ED4C06C8F}"/>
     <dgm:cxn modelId="{147B4903-4FD0-4147-AE6D-06B84E24D289}" type="presParOf" srcId="{B5036735-D837-1D44-90FD-86FF249A13E0}" destId="{6667243A-7FF6-304F-BF2E-1326CCAB9A4B}" srcOrd="0" destOrd="0" presId="urn:microsoft.com/office/officeart/2005/8/layout/vList2"/>
     <dgm:cxn modelId="{D3B853A0-94BB-E647-97E0-05879F7B04B3}" type="presParOf" srcId="{B5036735-D837-1D44-90FD-86FF249A13E0}" destId="{9A306132-DBDE-1B42-8465-77115F5768CC}" srcOrd="1" destOrd="0" presId="urn:microsoft.com/office/officeart/2005/8/layout/vList2"/>
-    <dgm:cxn modelId="{DBDFAF9A-3BAB-D749-B6ED-F125EE2A317B}" type="presParOf" srcId="{B5036735-D837-1D44-90FD-86FF249A13E0}" destId="{6A67C5C5-7229-1142-BFB8-871ED8001C88}" srcOrd="2" destOrd="0" presId="urn:microsoft.com/office/officeart/2005/8/layout/vList2"/>
-    <dgm:cxn modelId="{0B4B373D-7C94-1B40-81DD-026D29912AB7}" type="presParOf" srcId="{B5036735-D837-1D44-90FD-86FF249A13E0}" destId="{A06F06D1-07AC-E648-B8C5-7440F423C505}" srcOrd="3" destOrd="0" presId="urn:microsoft.com/office/officeart/2005/8/layout/vList2"/>
-    <dgm:cxn modelId="{1394B1A1-EA09-804C-B7C1-BAA8303452D4}" type="presParOf" srcId="{B5036735-D837-1D44-90FD-86FF249A13E0}" destId="{D0342D6E-BE27-5941-A604-D4CEA90CCB7E}" srcOrd="4" destOrd="0" presId="urn:microsoft.com/office/officeart/2005/8/layout/vList2"/>
-    <dgm:cxn modelId="{B61AD248-2CB8-3349-A507-2183F93DF995}" type="presParOf" srcId="{B5036735-D837-1D44-90FD-86FF249A13E0}" destId="{77BB3B07-E70A-9446-BBB5-77067974530C}" srcOrd="5" destOrd="0" presId="urn:microsoft.com/office/officeart/2005/8/layout/vList2"/>
+    <dgm:cxn modelId="{DCE34A82-3C7F-3345-B6D9-EC6CABCDF6F0}" type="presParOf" srcId="{B5036735-D837-1D44-90FD-86FF249A13E0}" destId="{C980AB20-9D45-8D47-9DB8-0EE943F3FDAE}" srcOrd="2" destOrd="0" presId="urn:microsoft.com/office/officeart/2005/8/layout/vList2"/>
+    <dgm:cxn modelId="{3105E15D-043F-F14C-8B1B-8928849E6B4E}" type="presParOf" srcId="{B5036735-D837-1D44-90FD-86FF249A13E0}" destId="{9B19DC87-A555-154D-A81C-98D4B8AEC336}" srcOrd="3" destOrd="0" presId="urn:microsoft.com/office/officeart/2005/8/layout/vList2"/>
+    <dgm:cxn modelId="{DBDFAF9A-3BAB-D749-B6ED-F125EE2A317B}" type="presParOf" srcId="{B5036735-D837-1D44-90FD-86FF249A13E0}" destId="{6A67C5C5-7229-1142-BFB8-871ED8001C88}" srcOrd="4" destOrd="0" presId="urn:microsoft.com/office/officeart/2005/8/layout/vList2"/>
+    <dgm:cxn modelId="{0B4B373D-7C94-1B40-81DD-026D29912AB7}" type="presParOf" srcId="{B5036735-D837-1D44-90FD-86FF249A13E0}" destId="{A06F06D1-07AC-E648-B8C5-7440F423C505}" srcOrd="5" destOrd="0" presId="urn:microsoft.com/office/officeart/2005/8/layout/vList2"/>
+    <dgm:cxn modelId="{1394B1A1-EA09-804C-B7C1-BAA8303452D4}" type="presParOf" srcId="{B5036735-D837-1D44-90FD-86FF249A13E0}" destId="{D0342D6E-BE27-5941-A604-D4CEA90CCB7E}" srcOrd="6" destOrd="0" presId="urn:microsoft.com/office/officeart/2005/8/layout/vList2"/>
+    <dgm:cxn modelId="{B61AD248-2CB8-3349-A507-2183F93DF995}" type="presParOf" srcId="{B5036735-D837-1D44-90FD-86FF249A13E0}" destId="{77BB3B07-E70A-9446-BBB5-77067974530C}" srcOrd="7" destOrd="0" presId="urn:microsoft.com/office/officeart/2005/8/layout/vList2"/>
   </dgm:cxnLst>
   <dgm:bg/>
   <dgm:whole/>
@@ -1199,8 +1268,8 @@
       </dsp:nvSpPr>
       <dsp:spPr>
         <a:xfrm>
-          <a:off x="0" y="148909"/>
-          <a:ext cx="5906181" cy="1193400"/>
+          <a:off x="0" y="513656"/>
+          <a:ext cx="5906181" cy="695565"/>
         </a:xfrm>
         <a:prstGeom prst="roundRect">
           <a:avLst/>
@@ -1241,12 +1310,12 @@
         </a:fontRef>
       </dsp:style>
       <dsp:txBody>
-        <a:bodyPr spcFirstLastPara="0" vert="horz" wrap="square" lIns="114300" tIns="114300" rIns="114300" bIns="114300" numCol="1" spcCol="1270" anchor="ctr" anchorCtr="0">
+        <a:bodyPr spcFirstLastPara="0" vert="horz" wrap="square" lIns="110490" tIns="110490" rIns="110490" bIns="110490" numCol="1" spcCol="1270" anchor="ctr" anchorCtr="0">
           <a:noAutofit/>
         </a:bodyPr>
         <a:lstStyle/>
         <a:p>
-          <a:pPr marL="0" lvl="0" indent="0" algn="l" defTabSz="1333500">
+          <a:pPr marL="0" lvl="0" indent="0" algn="l" defTabSz="1289050">
             <a:lnSpc>
               <a:spcPct val="90000"/>
             </a:lnSpc>
@@ -1259,25 +1328,41 @@
             <a:buNone/>
           </a:pPr>
           <a:r>
-            <a:rPr lang="da-DK" sz="3000" kern="1200"/>
-            <a:t>Introduktion til python og miniconda </a:t>
+            <a:rPr lang="da-DK" sz="2900" kern="1200" dirty="0"/>
+            <a:t>Introduktion til </a:t>
+          </a:r>
+          <a:r>
+            <a:rPr lang="da-DK" sz="2900" kern="1200" dirty="0" err="1"/>
+            <a:t>python</a:t>
+          </a:r>
+          <a:r>
+            <a:rPr lang="da-DK" sz="2900" kern="1200" dirty="0"/>
+            <a:t> og </a:t>
+          </a:r>
+          <a:r>
+            <a:rPr lang="da-DK" sz="2900" kern="1200" dirty="0" err="1"/>
+            <a:t>miniconda</a:t>
+          </a:r>
+          <a:r>
+            <a:rPr lang="da-DK" sz="2900" kern="1200" dirty="0"/>
+            <a:t> </a:t>
           </a:r>
         </a:p>
       </dsp:txBody>
       <dsp:txXfrm>
-        <a:off x="58257" y="207166"/>
-        <a:ext cx="5789667" cy="1076886"/>
+        <a:off x="33955" y="547611"/>
+        <a:ext cx="5838271" cy="627655"/>
       </dsp:txXfrm>
     </dsp:sp>
-    <dsp:sp modelId="{6A67C5C5-7229-1142-BFB8-871ED8001C88}">
+    <dsp:sp modelId="{C980AB20-9D45-8D47-9DB8-0EE943F3FDAE}">
       <dsp:nvSpPr>
         <dsp:cNvPr id="0" name=""/>
         <dsp:cNvSpPr/>
       </dsp:nvSpPr>
       <dsp:spPr>
         <a:xfrm>
-          <a:off x="0" y="1428709"/>
-          <a:ext cx="5906181" cy="1193400"/>
+          <a:off x="0" y="1292741"/>
+          <a:ext cx="5906181" cy="695565"/>
         </a:xfrm>
         <a:prstGeom prst="roundRect">
           <a:avLst/>
@@ -1318,12 +1403,12 @@
         </a:fontRef>
       </dsp:style>
       <dsp:txBody>
-        <a:bodyPr spcFirstLastPara="0" vert="horz" wrap="square" lIns="114300" tIns="114300" rIns="114300" bIns="114300" numCol="1" spcCol="1270" anchor="ctr" anchorCtr="0">
+        <a:bodyPr spcFirstLastPara="0" vert="horz" wrap="square" lIns="110490" tIns="110490" rIns="110490" bIns="110490" numCol="1" spcCol="1270" anchor="ctr" anchorCtr="0">
           <a:noAutofit/>
         </a:bodyPr>
         <a:lstStyle/>
         <a:p>
-          <a:pPr marL="0" lvl="0" indent="0" algn="l" defTabSz="1333500">
+          <a:pPr marL="0" lvl="0" indent="0" algn="l" defTabSz="1289050">
             <a:lnSpc>
               <a:spcPct val="90000"/>
             </a:lnSpc>
@@ -1336,25 +1421,25 @@
             <a:buNone/>
           </a:pPr>
           <a:r>
-            <a:rPr lang="da-DK" sz="3000" kern="1200"/>
-            <a:t>Opsætning af Conda</a:t>
+            <a:rPr lang="da-DK" sz="2900" kern="1200" dirty="0"/>
+            <a:t>Download af programmer</a:t>
           </a:r>
         </a:p>
       </dsp:txBody>
       <dsp:txXfrm>
-        <a:off x="58257" y="1486966"/>
-        <a:ext cx="5789667" cy="1076886"/>
+        <a:off x="33955" y="1326696"/>
+        <a:ext cx="5838271" cy="627655"/>
       </dsp:txXfrm>
     </dsp:sp>
-    <dsp:sp modelId="{D0342D6E-BE27-5941-A604-D4CEA90CCB7E}">
+    <dsp:sp modelId="{6A67C5C5-7229-1142-BFB8-871ED8001C88}">
       <dsp:nvSpPr>
         <dsp:cNvPr id="0" name=""/>
         <dsp:cNvSpPr/>
       </dsp:nvSpPr>
       <dsp:spPr>
         <a:xfrm>
-          <a:off x="0" y="2708509"/>
-          <a:ext cx="5906181" cy="1193400"/>
+          <a:off x="0" y="2071826"/>
+          <a:ext cx="5906181" cy="695565"/>
         </a:xfrm>
         <a:prstGeom prst="roundRect">
           <a:avLst/>
@@ -1395,12 +1480,12 @@
         </a:fontRef>
       </dsp:style>
       <dsp:txBody>
-        <a:bodyPr spcFirstLastPara="0" vert="horz" wrap="square" lIns="114300" tIns="114300" rIns="114300" bIns="114300" numCol="1" spcCol="1270" anchor="ctr" anchorCtr="0">
+        <a:bodyPr spcFirstLastPara="0" vert="horz" wrap="square" lIns="110490" tIns="110490" rIns="110490" bIns="110490" numCol="1" spcCol="1270" anchor="ctr" anchorCtr="0">
           <a:noAutofit/>
         </a:bodyPr>
         <a:lstStyle/>
         <a:p>
-          <a:pPr marL="0" lvl="0" indent="0" algn="l" defTabSz="1333500">
+          <a:pPr marL="0" lvl="0" indent="0" algn="l" defTabSz="1289050">
             <a:lnSpc>
               <a:spcPct val="90000"/>
             </a:lnSpc>
@@ -1413,14 +1498,91 @@
             <a:buNone/>
           </a:pPr>
           <a:r>
-            <a:rPr lang="da-DK" sz="3000" kern="1200"/>
+            <a:rPr lang="da-DK" sz="2900" kern="1200"/>
+            <a:t>Opsætning af Conda</a:t>
+          </a:r>
+        </a:p>
+      </dsp:txBody>
+      <dsp:txXfrm>
+        <a:off x="33955" y="2105781"/>
+        <a:ext cx="5838271" cy="627655"/>
+      </dsp:txXfrm>
+    </dsp:sp>
+    <dsp:sp modelId="{D0342D6E-BE27-5941-A604-D4CEA90CCB7E}">
+      <dsp:nvSpPr>
+        <dsp:cNvPr id="0" name=""/>
+        <dsp:cNvSpPr/>
+      </dsp:nvSpPr>
+      <dsp:spPr>
+        <a:xfrm>
+          <a:off x="0" y="2850911"/>
+          <a:ext cx="5906181" cy="695565"/>
+        </a:xfrm>
+        <a:prstGeom prst="roundRect">
+          <a:avLst/>
+        </a:prstGeom>
+        <a:solidFill>
+          <a:schemeClr val="accent6">
+            <a:hueOff val="0"/>
+            <a:satOff val="0"/>
+            <a:lumOff val="0"/>
+            <a:alphaOff val="0"/>
+          </a:schemeClr>
+        </a:solidFill>
+        <a:ln w="12700" cap="flat" cmpd="sng" algn="ctr">
+          <a:solidFill>
+            <a:schemeClr val="lt1">
+              <a:hueOff val="0"/>
+              <a:satOff val="0"/>
+              <a:lumOff val="0"/>
+              <a:alphaOff val="0"/>
+            </a:schemeClr>
+          </a:solidFill>
+          <a:prstDash val="solid"/>
+        </a:ln>
+        <a:effectLst/>
+      </dsp:spPr>
+      <dsp:style>
+        <a:lnRef idx="2">
+          <a:scrgbClr r="0" g="0" b="0"/>
+        </a:lnRef>
+        <a:fillRef idx="1">
+          <a:scrgbClr r="0" g="0" b="0"/>
+        </a:fillRef>
+        <a:effectRef idx="0">
+          <a:scrgbClr r="0" g="0" b="0"/>
+        </a:effectRef>
+        <a:fontRef idx="minor">
+          <a:schemeClr val="lt1"/>
+        </a:fontRef>
+      </dsp:style>
+      <dsp:txBody>
+        <a:bodyPr spcFirstLastPara="0" vert="horz" wrap="square" lIns="110490" tIns="110490" rIns="110490" bIns="110490" numCol="1" spcCol="1270" anchor="ctr" anchorCtr="0">
+          <a:noAutofit/>
+        </a:bodyPr>
+        <a:lstStyle/>
+        <a:p>
+          <a:pPr marL="0" lvl="0" indent="0" algn="l" defTabSz="1289050">
+            <a:lnSpc>
+              <a:spcPct val="90000"/>
+            </a:lnSpc>
+            <a:spcBef>
+              <a:spcPct val="0"/>
+            </a:spcBef>
+            <a:spcAft>
+              <a:spcPct val="35000"/>
+            </a:spcAft>
+            <a:buNone/>
+          </a:pPr>
+          <a:r>
+            <a:rPr lang="da-DK" sz="2900" kern="1200"/>
             <a:t>Gennemgang af scripts</a:t>
           </a:r>
         </a:p>
       </dsp:txBody>
       <dsp:txXfrm>
-        <a:off x="58257" y="2766766"/>
-        <a:ext cx="5789667" cy="1076886"/>
+        <a:off x="33955" y="2884866"/>
+        <a:ext cx="5838271" cy="627655"/>
       </dsp:txXfrm>
     </dsp:sp>
     <dsp:sp modelId="{77BB3B07-E70A-9446-BBB5-77067974530C}">
@@ -1430,8 +1592,8 @@
       </dsp:nvSpPr>
       <dsp:spPr>
         <a:xfrm>
-          <a:off x="0" y="3901909"/>
-          <a:ext cx="5906181" cy="1179900"/>
+          <a:off x="0" y="3546476"/>
+          <a:ext cx="5906181" cy="1170584"/>
         </a:xfrm>
         <a:prstGeom prst="rect">
           <a:avLst/>
@@ -1455,7 +1617,7 @@
         <a:fontRef idx="minor"/>
       </dsp:style>
       <dsp:txBody>
-        <a:bodyPr spcFirstLastPara="0" vert="horz" wrap="square" lIns="187521" tIns="38100" rIns="213360" bIns="38100" numCol="1" spcCol="1270" anchor="t" anchorCtr="0">
+        <a:bodyPr spcFirstLastPara="0" vert="horz" wrap="square" lIns="187521" tIns="36830" rIns="206248" bIns="36830" numCol="1" spcCol="1270" anchor="t" anchorCtr="0">
           <a:noAutofit/>
         </a:bodyPr>
         <a:lstStyle/>
@@ -1515,8 +1677,8 @@
         </a:p>
       </dsp:txBody>
       <dsp:txXfrm>
-        <a:off x="0" y="3901909"/>
-        <a:ext cx="5906181" cy="1179900"/>
+        <a:off x="0" y="3546476"/>
+        <a:ext cx="5906181" cy="1170584"/>
       </dsp:txXfrm>
     </dsp:sp>
   </dsp:spTree>
@@ -2806,7 +2968,7 @@
           <a:p>
             <a:fld id="{1BBFA23E-4CD3-4B8F-9610-2B5AFF016C96}" type="datetimeFigureOut">
               <a:rPr lang="da-DK" smtClean="0"/>
-              <a:t>17.03.2021</a:t>
+              <a:t>19.03.2021</a:t>
             </a:fld>
             <a:endParaRPr lang="da-DK"/>
           </a:p>
@@ -4283,7 +4445,7 @@
           <a:p>
             <a:fld id="{EA0C0817-A112-4847-8014-A94B7D2A4EA3}" type="datetime1">
               <a:rPr lang="en-US" smtClean="0"/>
-              <a:t>3/17/21</a:t>
+              <a:t>3/19/21</a:t>
             </a:fld>
             <a:endParaRPr lang="en-US" dirty="0"/>
           </a:p>
@@ -4485,7 +4647,7 @@
           <a:p>
             <a:fld id="{134F40B7-36AB-4376-BE14-EF7004D79BB9}" type="datetime1">
               <a:rPr lang="en-US" smtClean="0"/>
-              <a:t>3/17/21</a:t>
+              <a:t>3/19/21</a:t>
             </a:fld>
             <a:endParaRPr lang="en-US"/>
           </a:p>
@@ -4665,7 +4827,7 @@
           <a:p>
             <a:fld id="{FF87CAB8-DCAE-46A5-AADA-B3FAD11A54E0}" type="datetime1">
               <a:rPr lang="en-US" smtClean="0"/>
-              <a:t>3/17/21</a:t>
+              <a:t>3/19/21</a:t>
             </a:fld>
             <a:endParaRPr lang="en-US"/>
           </a:p>
@@ -4835,7 +4997,7 @@
           <a:p>
             <a:fld id="{7332B432-ACDA-4023-A761-2BAB76577B62}" type="datetime1">
               <a:rPr lang="en-US" smtClean="0"/>
-              <a:t>3/17/21</a:t>
+              <a:t>3/19/21</a:t>
             </a:fld>
             <a:endParaRPr lang="en-US"/>
           </a:p>
@@ -5434,7 +5596,7 @@
           <a:p>
             <a:fld id="{D9C646AA-F36E-4540-911D-FFFC0A0EF24A}" type="datetime1">
               <a:rPr lang="en-US" smtClean="0"/>
-              <a:t>3/17/21</a:t>
+              <a:t>3/19/21</a:t>
             </a:fld>
             <a:endParaRPr lang="en-US" dirty="0"/>
           </a:p>
@@ -5754,7 +5916,7 @@
           <a:p>
             <a:fld id="{69186D26-FA5F-4637-B602-B7C2DC34CFD4}" type="datetime1">
               <a:rPr lang="en-US" smtClean="0"/>
-              <a:t>3/17/21</a:t>
+              <a:t>3/19/21</a:t>
             </a:fld>
             <a:endParaRPr lang="en-US"/>
           </a:p>
@@ -6189,7 +6351,7 @@
           <a:p>
             <a:fld id="{8A7F15D8-96D1-4781-BC50-CA8A088B2FE4}" type="datetime1">
               <a:rPr lang="en-US" smtClean="0"/>
-              <a:t>3/17/21</a:t>
+              <a:t>3/19/21</a:t>
             </a:fld>
             <a:endParaRPr lang="en-US"/>
           </a:p>
@@ -6307,7 +6469,7 @@
           <a:p>
             <a:fld id="{F9A96C99-B8F8-4528-BD05-0E16E943DC09}" type="datetime1">
               <a:rPr lang="en-US" smtClean="0"/>
-              <a:t>3/17/21</a:t>
+              <a:t>3/19/21</a:t>
             </a:fld>
             <a:endParaRPr lang="en-US"/>
           </a:p>
@@ -6402,7 +6564,7 @@
           <a:p>
             <a:fld id="{03636942-C211-4B28-8DBD-C953E00AF71B}" type="datetime1">
               <a:rPr lang="en-US" smtClean="0"/>
-              <a:t>3/17/21</a:t>
+              <a:t>3/19/21</a:t>
             </a:fld>
             <a:endParaRPr lang="en-US"/>
           </a:p>
@@ -6819,7 +6981,7 @@
           <a:p>
             <a:fld id="{7E8D12A6-918A-48BD-8CB9-CA713993B0EA}" type="datetime1">
               <a:rPr lang="en-US" smtClean="0"/>
-              <a:t>3/17/21</a:t>
+              <a:t>3/19/21</a:t>
             </a:fld>
             <a:endParaRPr lang="en-US"/>
           </a:p>
@@ -7081,7 +7243,7 @@
             <a:fld id="{E778CE86-875F-4587-BCF6-FA054AFC0D53}" type="datetime1">
               <a:rPr lang="en-US" smtClean="0"/>
               <a:pPr/>
-              <a:t>3/17/21</a:t>
+              <a:t>3/19/21</a:t>
             </a:fld>
             <a:endParaRPr lang="en-US" dirty="0"/>
           </a:p>
@@ -7597,7 +7759,7 @@
           <a:p>
             <a:fld id="{F6FA2B21-3FCD-4721-B95C-427943F61125}" type="datetime1">
               <a:rPr lang="en-US" smtClean="0"/>
-              <a:t>3/17/21</a:t>
+              <a:t>3/19/21</a:t>
             </a:fld>
             <a:endParaRPr lang="en-US"/>
           </a:p>
@@ -8591,7 +8753,7 @@
             <p:ph idx="1"/>
             <p:extLst>
               <p:ext uri="{D42A27DB-BD31-4B8C-83A1-F6EECF244321}">
-                <p14:modId xmlns:p14="http://schemas.microsoft.com/office/powerpoint/2010/main" val="2098190012"/>
+                <p14:modId xmlns:p14="http://schemas.microsoft.com/office/powerpoint/2010/main" val="424209748"/>
               </p:ext>
             </p:extLst>
           </p:nvPr>
